--- a/images/temp.pptx
+++ b/images/temp.pptx
@@ -260,7 +260,7 @@
           <a:p>
             <a:fld id="{8A754103-0C04-4ED3-AAAA-7A493AA2E0B6}" type="datetimeFigureOut">
               <a:rPr lang="en-US" smtClean="0"/>
-              <a:t>2/7/2024</a:t>
+              <a:t>3/30/2024</a:t>
             </a:fld>
             <a:endParaRPr lang="en-US"/>
           </a:p>
@@ -458,7 +458,7 @@
           <a:p>
             <a:fld id="{8A754103-0C04-4ED3-AAAA-7A493AA2E0B6}" type="datetimeFigureOut">
               <a:rPr lang="en-US" smtClean="0"/>
-              <a:t>2/7/2024</a:t>
+              <a:t>3/30/2024</a:t>
             </a:fld>
             <a:endParaRPr lang="en-US"/>
           </a:p>
@@ -666,7 +666,7 @@
           <a:p>
             <a:fld id="{8A754103-0C04-4ED3-AAAA-7A493AA2E0B6}" type="datetimeFigureOut">
               <a:rPr lang="en-US" smtClean="0"/>
-              <a:t>2/7/2024</a:t>
+              <a:t>3/30/2024</a:t>
             </a:fld>
             <a:endParaRPr lang="en-US"/>
           </a:p>
@@ -864,7 +864,7 @@
           <a:p>
             <a:fld id="{8A754103-0C04-4ED3-AAAA-7A493AA2E0B6}" type="datetimeFigureOut">
               <a:rPr lang="en-US" smtClean="0"/>
-              <a:t>2/7/2024</a:t>
+              <a:t>3/30/2024</a:t>
             </a:fld>
             <a:endParaRPr lang="en-US"/>
           </a:p>
@@ -1139,7 +1139,7 @@
           <a:p>
             <a:fld id="{8A754103-0C04-4ED3-AAAA-7A493AA2E0B6}" type="datetimeFigureOut">
               <a:rPr lang="en-US" smtClean="0"/>
-              <a:t>2/7/2024</a:t>
+              <a:t>3/30/2024</a:t>
             </a:fld>
             <a:endParaRPr lang="en-US"/>
           </a:p>
@@ -1404,7 +1404,7 @@
           <a:p>
             <a:fld id="{8A754103-0C04-4ED3-AAAA-7A493AA2E0B6}" type="datetimeFigureOut">
               <a:rPr lang="en-US" smtClean="0"/>
-              <a:t>2/7/2024</a:t>
+              <a:t>3/30/2024</a:t>
             </a:fld>
             <a:endParaRPr lang="en-US"/>
           </a:p>
@@ -1816,7 +1816,7 @@
           <a:p>
             <a:fld id="{8A754103-0C04-4ED3-AAAA-7A493AA2E0B6}" type="datetimeFigureOut">
               <a:rPr lang="en-US" smtClean="0"/>
-              <a:t>2/7/2024</a:t>
+              <a:t>3/30/2024</a:t>
             </a:fld>
             <a:endParaRPr lang="en-US"/>
           </a:p>
@@ -1957,7 +1957,7 @@
           <a:p>
             <a:fld id="{8A754103-0C04-4ED3-AAAA-7A493AA2E0B6}" type="datetimeFigureOut">
               <a:rPr lang="en-US" smtClean="0"/>
-              <a:t>2/7/2024</a:t>
+              <a:t>3/30/2024</a:t>
             </a:fld>
             <a:endParaRPr lang="en-US"/>
           </a:p>
@@ -2070,7 +2070,7 @@
           <a:p>
             <a:fld id="{8A754103-0C04-4ED3-AAAA-7A493AA2E0B6}" type="datetimeFigureOut">
               <a:rPr lang="en-US" smtClean="0"/>
-              <a:t>2/7/2024</a:t>
+              <a:t>3/30/2024</a:t>
             </a:fld>
             <a:endParaRPr lang="en-US"/>
           </a:p>
@@ -2381,7 +2381,7 @@
           <a:p>
             <a:fld id="{8A754103-0C04-4ED3-AAAA-7A493AA2E0B6}" type="datetimeFigureOut">
               <a:rPr lang="en-US" smtClean="0"/>
-              <a:t>2/7/2024</a:t>
+              <a:t>3/30/2024</a:t>
             </a:fld>
             <a:endParaRPr lang="en-US"/>
           </a:p>
@@ -2669,7 +2669,7 @@
           <a:p>
             <a:fld id="{8A754103-0C04-4ED3-AAAA-7A493AA2E0B6}" type="datetimeFigureOut">
               <a:rPr lang="en-US" smtClean="0"/>
-              <a:t>2/7/2024</a:t>
+              <a:t>3/30/2024</a:t>
             </a:fld>
             <a:endParaRPr lang="en-US"/>
           </a:p>
@@ -2910,7 +2910,7 @@
           <a:p>
             <a:fld id="{8A754103-0C04-4ED3-AAAA-7A493AA2E0B6}" type="datetimeFigureOut">
               <a:rPr lang="en-US" smtClean="0"/>
-              <a:t>2/7/2024</a:t>
+              <a:t>3/30/2024</a:t>
             </a:fld>
             <a:endParaRPr lang="en-US"/>
           </a:p>
@@ -3432,12 +3432,28 @@
         </p:blipFill>
         <p:spPr>
           <a:xfrm>
-            <a:off x="7300667" y="1539238"/>
-            <a:ext cx="3025499" cy="4166471"/>
+            <a:off x="7554456" y="1841660"/>
+            <a:ext cx="2305305" cy="3174679"/>
           </a:xfrm>
-          <a:prstGeom prst="rect">
-            <a:avLst/>
+          <a:prstGeom prst="round2DiagRect">
+            <a:avLst>
+              <a:gd name="adj1" fmla="val 16667"/>
+              <a:gd name="adj2" fmla="val 0"/>
+            </a:avLst>
           </a:prstGeom>
+          <a:ln w="88900" cap="sq">
+            <a:solidFill>
+              <a:srgbClr val="FFFFFF"/>
+            </a:solidFill>
+            <a:miter lim="800000"/>
+          </a:ln>
+          <a:effectLst>
+            <a:outerShdw blurRad="254000" algn="tl" rotWithShape="0">
+              <a:srgbClr val="000000">
+                <a:alpha val="43000"/>
+              </a:srgbClr>
+            </a:outerShdw>
+          </a:effectLst>
         </p:spPr>
       </p:pic>
     </p:spTree>
